--- a/docs/DEWEv3-Architecture.pptx
+++ b/docs/DEWEv3-Architecture.pptx
@@ -3103,8 +3103,8 @@
         </p:nvSpPr>
         <p:spPr>
           <a:xfrm>
-            <a:off x="326096" y="2694296"/>
-            <a:ext cx="944114" cy="369332"/>
+            <a:off x="326096" y="3285772"/>
+            <a:ext cx="944114" cy="337310"/>
           </a:xfrm>
           <a:prstGeom prst="rect">
             <a:avLst/>
@@ -3137,8 +3137,8 @@
         </p:nvGrpSpPr>
         <p:grpSpPr>
           <a:xfrm>
-            <a:off x="183479" y="3518028"/>
-            <a:ext cx="2162636" cy="1887719"/>
+            <a:off x="183479" y="4038085"/>
+            <a:ext cx="2162636" cy="1724051"/>
             <a:chOff x="1081318" y="4427561"/>
             <a:chExt cx="2523074" cy="1887719"/>
           </a:xfrm>
@@ -3318,8 +3318,8 @@
         </p:nvGrpSpPr>
         <p:grpSpPr>
           <a:xfrm>
-            <a:off x="255364" y="418790"/>
-            <a:ext cx="2162636" cy="2095126"/>
+            <a:off x="255364" y="1207556"/>
+            <a:ext cx="2162636" cy="1913476"/>
             <a:chOff x="1081318" y="4427561"/>
             <a:chExt cx="2523074" cy="2095126"/>
           </a:xfrm>
@@ -3487,8 +3487,8 @@
         </p:nvGrpSpPr>
         <p:grpSpPr>
           <a:xfrm>
-            <a:off x="6402083" y="337856"/>
-            <a:ext cx="2141325" cy="1887719"/>
+            <a:off x="6402083" y="1133639"/>
+            <a:ext cx="2141325" cy="1724051"/>
             <a:chOff x="1081318" y="4427561"/>
             <a:chExt cx="2523074" cy="1887719"/>
           </a:xfrm>
@@ -3649,8 +3649,8 @@
         </p:nvGrpSpPr>
         <p:grpSpPr>
           <a:xfrm>
-            <a:off x="6436411" y="3518028"/>
-            <a:ext cx="2141325" cy="1887719"/>
+            <a:off x="6436411" y="4038085"/>
+            <a:ext cx="2141325" cy="1724051"/>
             <a:chOff x="1081318" y="4427561"/>
             <a:chExt cx="2523074" cy="1887719"/>
           </a:xfrm>
@@ -3812,8 +3812,8 @@
         </p:nvGrpSpPr>
         <p:grpSpPr>
           <a:xfrm>
-            <a:off x="3340714" y="337856"/>
-            <a:ext cx="2162635" cy="1968653"/>
+            <a:off x="3340714" y="1133639"/>
+            <a:ext cx="2162635" cy="1797968"/>
             <a:chOff x="1081318" y="4427561"/>
             <a:chExt cx="2523074" cy="1887719"/>
           </a:xfrm>
@@ -3967,8 +3967,8 @@
         </p:nvGrpSpPr>
         <p:grpSpPr>
           <a:xfrm>
-            <a:off x="3340716" y="3518028"/>
-            <a:ext cx="2162634" cy="1887719"/>
+            <a:off x="3340716" y="4038085"/>
+            <a:ext cx="2162634" cy="1724051"/>
             <a:chOff x="1081318" y="4427561"/>
             <a:chExt cx="2523074" cy="1887719"/>
           </a:xfrm>
@@ -4129,7 +4129,7 @@
         </p:nvCxnSpPr>
         <p:spPr>
           <a:xfrm>
-            <a:off x="2418000" y="1463600"/>
+            <a:off x="2418000" y="2161779"/>
             <a:ext cx="922714" cy="0"/>
           </a:xfrm>
           <a:prstGeom prst="straightConnector1">
@@ -4162,8 +4162,8 @@
         </p:nvSpPr>
         <p:spPr>
           <a:xfrm>
-            <a:off x="2608888" y="1081154"/>
-            <a:ext cx="596487" cy="369332"/>
+            <a:off x="2608888" y="1812492"/>
+            <a:ext cx="596487" cy="337310"/>
           </a:xfrm>
           <a:prstGeom prst="rect">
             <a:avLst/>
@@ -4192,7 +4192,7 @@
         </p:nvCxnSpPr>
         <p:spPr>
           <a:xfrm>
-            <a:off x="5505444" y="1461551"/>
+            <a:off x="5505444" y="2159908"/>
             <a:ext cx="922714" cy="0"/>
           </a:xfrm>
           <a:prstGeom prst="straightConnector1">
@@ -4225,8 +4225,8 @@
         </p:nvSpPr>
         <p:spPr>
           <a:xfrm>
-            <a:off x="5696332" y="1079105"/>
-            <a:ext cx="596487" cy="369332"/>
+            <a:off x="5696332" y="1810621"/>
+            <a:ext cx="596487" cy="337310"/>
           </a:xfrm>
           <a:prstGeom prst="rect">
             <a:avLst/>
@@ -4255,7 +4255,7 @@
         </p:nvCxnSpPr>
         <p:spPr>
           <a:xfrm>
-            <a:off x="5520532" y="4599965"/>
+            <a:off x="5520532" y="5026217"/>
             <a:ext cx="922714" cy="0"/>
           </a:xfrm>
           <a:prstGeom prst="straightConnector1">
@@ -4289,8 +4289,8 @@
         </p:nvSpPr>
         <p:spPr>
           <a:xfrm>
-            <a:off x="5694256" y="4217519"/>
-            <a:ext cx="572956" cy="369332"/>
+            <a:off x="5694256" y="4676930"/>
+            <a:ext cx="572956" cy="337310"/>
           </a:xfrm>
           <a:prstGeom prst="rect">
             <a:avLst/>
@@ -4321,8 +4321,8 @@
         </p:nvCxnSpPr>
         <p:spPr>
           <a:xfrm flipH="1">
-            <a:off x="5520532" y="2225575"/>
-            <a:ext cx="1952214" cy="2361276"/>
+            <a:off x="5520532" y="2857690"/>
+            <a:ext cx="1952214" cy="2156550"/>
           </a:xfrm>
           <a:prstGeom prst="straightConnector1">
             <a:avLst/>
@@ -4354,8 +4354,8 @@
         </p:nvSpPr>
         <p:spPr>
           <a:xfrm>
-            <a:off x="6037799" y="3020355"/>
-            <a:ext cx="572956" cy="369332"/>
+            <a:off x="6037799" y="3583561"/>
+            <a:ext cx="572956" cy="337310"/>
           </a:xfrm>
           <a:prstGeom prst="rect">
             <a:avLst/>
@@ -4386,8 +4386,8 @@
         </p:nvCxnSpPr>
         <p:spPr>
           <a:xfrm flipH="1" flipV="1">
-            <a:off x="1270210" y="2306509"/>
-            <a:ext cx="2070506" cy="2290982"/>
+            <a:off x="1270210" y="2931607"/>
+            <a:ext cx="2070506" cy="2092351"/>
           </a:xfrm>
           <a:prstGeom prst="straightConnector1">
             <a:avLst/>
@@ -4419,8 +4419,8 @@
         </p:nvSpPr>
         <p:spPr>
           <a:xfrm>
-            <a:off x="2150767" y="3020355"/>
-            <a:ext cx="572956" cy="369332"/>
+            <a:off x="2150767" y="3583561"/>
+            <a:ext cx="572956" cy="337310"/>
           </a:xfrm>
           <a:prstGeom prst="rect">
             <a:avLst/>
@@ -4451,8 +4451,8 @@
         </p:nvCxnSpPr>
         <p:spPr>
           <a:xfrm flipV="1">
-            <a:off x="1264797" y="2306509"/>
-            <a:ext cx="0" cy="1211519"/>
+            <a:off x="1264797" y="2931607"/>
+            <a:ext cx="0" cy="1106479"/>
           </a:xfrm>
           <a:prstGeom prst="straightConnector1">
             <a:avLst/>
@@ -4484,8 +4484,8 @@
         </p:nvCxnSpPr>
         <p:spPr>
           <a:xfrm>
-            <a:off x="1527576" y="5405747"/>
-            <a:ext cx="17164" cy="617794"/>
+            <a:off x="1527576" y="5762136"/>
+            <a:ext cx="17164" cy="564230"/>
           </a:xfrm>
           <a:prstGeom prst="line">
             <a:avLst/>
@@ -4514,7 +4514,7 @@
         </p:nvCxnSpPr>
         <p:spPr>
           <a:xfrm>
-            <a:off x="1544740" y="6023541"/>
+            <a:off x="1544740" y="6326367"/>
             <a:ext cx="7208785" cy="0"/>
           </a:xfrm>
           <a:prstGeom prst="line">
@@ -4544,8 +4544,8 @@
         </p:nvCxnSpPr>
         <p:spPr>
           <a:xfrm flipV="1">
-            <a:off x="8753525" y="1463600"/>
-            <a:ext cx="0" cy="4559941"/>
+            <a:off x="8753525" y="2161779"/>
+            <a:ext cx="0" cy="4164587"/>
           </a:xfrm>
           <a:prstGeom prst="line">
             <a:avLst/>
@@ -4574,7 +4574,7 @@
         </p:nvCxnSpPr>
         <p:spPr>
           <a:xfrm flipH="1">
-            <a:off x="8543408" y="1448437"/>
+            <a:off x="8543408" y="2147931"/>
             <a:ext cx="210118" cy="0"/>
           </a:xfrm>
           <a:prstGeom prst="straightConnector1">
@@ -4607,8 +4607,8 @@
         </p:nvCxnSpPr>
         <p:spPr>
           <a:xfrm flipV="1">
-            <a:off x="7054311" y="5405747"/>
-            <a:ext cx="0" cy="617794"/>
+            <a:off x="7054311" y="5762136"/>
+            <a:ext cx="0" cy="564230"/>
           </a:xfrm>
           <a:prstGeom prst="straightConnector1">
             <a:avLst/>
@@ -4640,8 +4640,8 @@
         </p:nvSpPr>
         <p:spPr>
           <a:xfrm>
-            <a:off x="1647704" y="5663160"/>
-            <a:ext cx="2252803" cy="369332"/>
+            <a:off x="1647704" y="5997231"/>
+            <a:ext cx="2252803" cy="337310"/>
           </a:xfrm>
           <a:prstGeom prst="rect">
             <a:avLst/>
@@ -4674,8 +4674,8 @@
         </p:nvCxnSpPr>
         <p:spPr>
           <a:xfrm flipV="1">
-            <a:off x="978336" y="6504052"/>
-            <a:ext cx="7981154" cy="34322"/>
+            <a:off x="978336" y="6765217"/>
+            <a:ext cx="7981154" cy="31346"/>
           </a:xfrm>
           <a:prstGeom prst="line">
             <a:avLst/>
@@ -4704,8 +4704,8 @@
         </p:nvCxnSpPr>
         <p:spPr>
           <a:xfrm>
-            <a:off x="8959490" y="982141"/>
-            <a:ext cx="0" cy="5521911"/>
+            <a:off x="8959490" y="1722064"/>
+            <a:ext cx="0" cy="5043153"/>
           </a:xfrm>
           <a:prstGeom prst="line">
             <a:avLst/>
@@ -4734,7 +4734,7 @@
         </p:nvCxnSpPr>
         <p:spPr>
           <a:xfrm flipH="1">
-            <a:off x="8543408" y="982141"/>
+            <a:off x="8543408" y="1722064"/>
             <a:ext cx="416082" cy="0"/>
           </a:xfrm>
           <a:prstGeom prst="line">
@@ -4764,8 +4764,8 @@
         </p:nvCxnSpPr>
         <p:spPr>
           <a:xfrm>
-            <a:off x="7963991" y="5405747"/>
-            <a:ext cx="34328" cy="1098305"/>
+            <a:off x="7963991" y="5762136"/>
+            <a:ext cx="34328" cy="1003080"/>
           </a:xfrm>
           <a:prstGeom prst="line">
             <a:avLst/>
@@ -4794,8 +4794,8 @@
         </p:nvCxnSpPr>
         <p:spPr>
           <a:xfrm flipV="1">
-            <a:off x="978336" y="5405747"/>
-            <a:ext cx="0" cy="1115466"/>
+            <a:off x="978336" y="5762136"/>
+            <a:ext cx="0" cy="1018753"/>
           </a:xfrm>
           <a:prstGeom prst="straightConnector1">
             <a:avLst/>
@@ -4827,8 +4827,8 @@
         </p:nvSpPr>
         <p:spPr>
           <a:xfrm>
-            <a:off x="1270210" y="6177993"/>
-            <a:ext cx="1324401" cy="369332"/>
+            <a:off x="1270210" y="6467428"/>
+            <a:ext cx="1324401" cy="337310"/>
           </a:xfrm>
           <a:prstGeom prst="rect">
             <a:avLst/>
@@ -4864,8 +4864,8 @@
         </p:nvCxnSpPr>
         <p:spPr>
           <a:xfrm>
-            <a:off x="5503349" y="1463600"/>
-            <a:ext cx="2003725" cy="2054428"/>
+            <a:off x="5503349" y="2161779"/>
+            <a:ext cx="2003725" cy="1876306"/>
           </a:xfrm>
           <a:prstGeom prst="straightConnector1">
             <a:avLst/>
@@ -4897,8 +4897,8 @@
         </p:nvSpPr>
         <p:spPr>
           <a:xfrm>
-            <a:off x="5694256" y="2038072"/>
-            <a:ext cx="596487" cy="369332"/>
+            <a:off x="5694256" y="2686444"/>
+            <a:ext cx="596487" cy="337310"/>
           </a:xfrm>
           <a:prstGeom prst="rect">
             <a:avLst/>
@@ -4914,6 +4914,336 @@
             <a:r>
               <a:rPr lang="en-US" b="1" dirty="0" smtClean="0"/>
               <a:t>jobs</a:t>
+            </a:r>
+            <a:endParaRPr lang="en-US" b="1" dirty="0"/>
+          </a:p>
+        </p:txBody>
+      </p:sp>
+      <p:sp>
+        <p:nvSpPr>
+          <p:cNvPr id="125" name="Rounded Rectangle 124"/>
+          <p:cNvSpPr/>
+          <p:nvPr/>
+        </p:nvSpPr>
+        <p:spPr>
+          <a:xfrm>
+            <a:off x="3340714" y="21290"/>
+            <a:ext cx="2162635" cy="885649"/>
+          </a:xfrm>
+          <a:prstGeom prst="roundRect">
+            <a:avLst/>
+          </a:prstGeom>
+          <a:noFill/>
+        </p:spPr>
+        <p:style>
+          <a:lnRef idx="1">
+            <a:schemeClr val="accent1"/>
+          </a:lnRef>
+          <a:fillRef idx="3">
+            <a:schemeClr val="accent1"/>
+          </a:fillRef>
+          <a:effectRef idx="2">
+            <a:schemeClr val="accent1"/>
+          </a:effectRef>
+          <a:fontRef idx="minor">
+            <a:schemeClr val="lt1"/>
+          </a:fontRef>
+        </p:style>
+        <p:txBody>
+          <a:bodyPr rtlCol="0" anchor="ctr"/>
+          <a:lstStyle/>
+          <a:p>
+            <a:pPr algn="ctr"/>
+            <a:endParaRPr lang="en-US"/>
+          </a:p>
+        </p:txBody>
+      </p:sp>
+      <p:sp>
+        <p:nvSpPr>
+          <p:cNvPr id="126" name="TextBox 125"/>
+          <p:cNvSpPr txBox="1"/>
+          <p:nvPr/>
+        </p:nvSpPr>
+        <p:spPr>
+          <a:xfrm>
+            <a:off x="3649661" y="93044"/>
+            <a:ext cx="1544740" cy="369332"/>
+          </a:xfrm>
+          <a:prstGeom prst="rect">
+            <a:avLst/>
+          </a:prstGeom>
+          <a:noFill/>
+        </p:spPr>
+        <p:txBody>
+          <a:bodyPr wrap="square" rtlCol="0">
+            <a:spAutoFit/>
+          </a:bodyPr>
+          <a:lstStyle/>
+          <a:p>
+            <a:pPr algn="ctr"/>
+            <a:r>
+              <a:rPr lang="en-US" b="1" dirty="0" smtClean="0"/>
+              <a:t>SNS</a:t>
+            </a:r>
+            <a:endParaRPr lang="en-US" b="1" dirty="0"/>
+          </a:p>
+        </p:txBody>
+      </p:sp>
+      <p:sp>
+        <p:nvSpPr>
+          <p:cNvPr id="127" name="TextBox 126"/>
+          <p:cNvSpPr txBox="1"/>
+          <p:nvPr/>
+        </p:nvSpPr>
+        <p:spPr>
+          <a:xfrm>
+            <a:off x="3340714" y="537607"/>
+            <a:ext cx="2162635" cy="369332"/>
+          </a:xfrm>
+          <a:prstGeom prst="rect">
+            <a:avLst/>
+          </a:prstGeom>
+          <a:noFill/>
+        </p:spPr>
+        <p:txBody>
+          <a:bodyPr wrap="square" rtlCol="0">
+            <a:spAutoFit/>
+          </a:bodyPr>
+          <a:lstStyle/>
+          <a:p>
+            <a:pPr algn="ctr"/>
+            <a:r>
+              <a:rPr lang="en-US" b="1" dirty="0" smtClean="0"/>
+              <a:t>Dead Letter</a:t>
+            </a:r>
+          </a:p>
+        </p:txBody>
+      </p:sp>
+      <p:cxnSp>
+        <p:nvCxnSpPr>
+          <p:cNvPr id="128" name="Straight Connector 127"/>
+          <p:cNvCxnSpPr/>
+          <p:nvPr/>
+        </p:nvCxnSpPr>
+        <p:spPr>
+          <a:xfrm>
+            <a:off x="3340714" y="514091"/>
+            <a:ext cx="2162635" cy="0"/>
+          </a:xfrm>
+          <a:prstGeom prst="line">
+            <a:avLst/>
+          </a:prstGeom>
+        </p:spPr>
+        <p:style>
+          <a:lnRef idx="2">
+            <a:schemeClr val="accent1"/>
+          </a:lnRef>
+          <a:fillRef idx="0">
+            <a:schemeClr val="accent1"/>
+          </a:fillRef>
+          <a:effectRef idx="1">
+            <a:schemeClr val="accent1"/>
+          </a:effectRef>
+          <a:fontRef idx="minor">
+            <a:schemeClr val="tx1"/>
+          </a:fontRef>
+        </p:style>
+      </p:cxnSp>
+      <p:cxnSp>
+        <p:nvCxnSpPr>
+          <p:cNvPr id="130" name="Straight Connector 129"/>
+          <p:cNvCxnSpPr>
+            <a:stCxn id="37" idx="0"/>
+          </p:cNvCxnSpPr>
+          <p:nvPr/>
+        </p:nvCxnSpPr>
+        <p:spPr>
+          <a:xfrm flipV="1">
+            <a:off x="7472746" y="462376"/>
+            <a:ext cx="0" cy="671263"/>
+          </a:xfrm>
+          <a:prstGeom prst="line">
+            <a:avLst/>
+          </a:prstGeom>
+        </p:spPr>
+        <p:style>
+          <a:lnRef idx="2">
+            <a:schemeClr val="accent1"/>
+          </a:lnRef>
+          <a:fillRef idx="0">
+            <a:schemeClr val="accent1"/>
+          </a:fillRef>
+          <a:effectRef idx="1">
+            <a:schemeClr val="accent1"/>
+          </a:effectRef>
+          <a:fontRef idx="minor">
+            <a:schemeClr val="tx1"/>
+          </a:fontRef>
+        </p:style>
+      </p:cxnSp>
+      <p:cxnSp>
+        <p:nvCxnSpPr>
+          <p:cNvPr id="132" name="Straight Arrow Connector 131"/>
+          <p:cNvCxnSpPr>
+            <a:endCxn id="125" idx="3"/>
+          </p:cNvCxnSpPr>
+          <p:nvPr/>
+        </p:nvCxnSpPr>
+        <p:spPr>
+          <a:xfrm flipH="1">
+            <a:off x="5503349" y="462376"/>
+            <a:ext cx="1969397" cy="1739"/>
+          </a:xfrm>
+          <a:prstGeom prst="straightConnector1">
+            <a:avLst/>
+          </a:prstGeom>
+          <a:ln>
+            <a:tailEnd type="arrow"/>
+          </a:ln>
+        </p:spPr>
+        <p:style>
+          <a:lnRef idx="2">
+            <a:schemeClr val="accent1"/>
+          </a:lnRef>
+          <a:fillRef idx="0">
+            <a:schemeClr val="accent1"/>
+          </a:fillRef>
+          <a:effectRef idx="1">
+            <a:schemeClr val="accent1"/>
+          </a:effectRef>
+          <a:fontRef idx="minor">
+            <a:schemeClr val="tx1"/>
+          </a:fontRef>
+        </p:style>
+      </p:cxnSp>
+      <p:sp>
+        <p:nvSpPr>
+          <p:cNvPr id="133" name="TextBox 132"/>
+          <p:cNvSpPr txBox="1"/>
+          <p:nvPr/>
+        </p:nvSpPr>
+        <p:spPr>
+          <a:xfrm>
+            <a:off x="5848732" y="92472"/>
+            <a:ext cx="1176299" cy="369332"/>
+          </a:xfrm>
+          <a:prstGeom prst="rect">
+            <a:avLst/>
+          </a:prstGeom>
+          <a:noFill/>
+        </p:spPr>
+        <p:txBody>
+          <a:bodyPr wrap="none" rtlCol="0">
+            <a:spAutoFit/>
+          </a:bodyPr>
+          <a:lstStyle/>
+          <a:p>
+            <a:r>
+              <a:rPr lang="en-US" b="1" dirty="0"/>
+              <a:t>f</a:t>
+            </a:r>
+            <a:r>
+              <a:rPr lang="en-US" b="1" dirty="0" smtClean="0"/>
+              <a:t>ailed jobs</a:t>
+            </a:r>
+            <a:endParaRPr lang="en-US" b="1" dirty="0"/>
+          </a:p>
+        </p:txBody>
+      </p:sp>
+      <p:cxnSp>
+        <p:nvCxnSpPr>
+          <p:cNvPr id="135" name="Straight Connector 134"/>
+          <p:cNvCxnSpPr>
+            <a:stCxn id="125" idx="1"/>
+          </p:cNvCxnSpPr>
+          <p:nvPr/>
+        </p:nvCxnSpPr>
+        <p:spPr>
+          <a:xfrm flipH="1">
+            <a:off x="1264797" y="464115"/>
+            <a:ext cx="2075917" cy="0"/>
+          </a:xfrm>
+          <a:prstGeom prst="line">
+            <a:avLst/>
+          </a:prstGeom>
+        </p:spPr>
+        <p:style>
+          <a:lnRef idx="2">
+            <a:schemeClr val="accent1"/>
+          </a:lnRef>
+          <a:fillRef idx="0">
+            <a:schemeClr val="accent1"/>
+          </a:fillRef>
+          <a:effectRef idx="1">
+            <a:schemeClr val="accent1"/>
+          </a:effectRef>
+          <a:fontRef idx="minor">
+            <a:schemeClr val="tx1"/>
+          </a:fontRef>
+        </p:style>
+      </p:cxnSp>
+      <p:cxnSp>
+        <p:nvCxnSpPr>
+          <p:cNvPr id="137" name="Straight Arrow Connector 136"/>
+          <p:cNvCxnSpPr/>
+          <p:nvPr/>
+        </p:nvCxnSpPr>
+        <p:spPr>
+          <a:xfrm>
+            <a:off x="1264797" y="461804"/>
+            <a:ext cx="0" cy="745752"/>
+          </a:xfrm>
+          <a:prstGeom prst="straightConnector1">
+            <a:avLst/>
+          </a:prstGeom>
+          <a:ln>
+            <a:tailEnd type="arrow"/>
+          </a:ln>
+        </p:spPr>
+        <p:style>
+          <a:lnRef idx="2">
+            <a:schemeClr val="accent1"/>
+          </a:lnRef>
+          <a:fillRef idx="0">
+            <a:schemeClr val="accent1"/>
+          </a:fillRef>
+          <a:effectRef idx="1">
+            <a:schemeClr val="accent1"/>
+          </a:effectRef>
+          <a:fontRef idx="minor">
+            <a:schemeClr val="tx1"/>
+          </a:fontRef>
+        </p:style>
+      </p:cxnSp>
+      <p:sp>
+        <p:nvSpPr>
+          <p:cNvPr id="138" name="TextBox 137"/>
+          <p:cNvSpPr txBox="1"/>
+          <p:nvPr/>
+        </p:nvSpPr>
+        <p:spPr>
+          <a:xfrm>
+            <a:off x="1757965" y="60206"/>
+            <a:ext cx="1176299" cy="369332"/>
+          </a:xfrm>
+          <a:prstGeom prst="rect">
+            <a:avLst/>
+          </a:prstGeom>
+          <a:noFill/>
+        </p:spPr>
+        <p:txBody>
+          <a:bodyPr wrap="none" rtlCol="0">
+            <a:spAutoFit/>
+          </a:bodyPr>
+          <a:lstStyle/>
+          <a:p>
+            <a:r>
+              <a:rPr lang="en-US" b="1" dirty="0"/>
+              <a:t>f</a:t>
+            </a:r>
+            <a:r>
+              <a:rPr lang="en-US" b="1" dirty="0" smtClean="0"/>
+              <a:t>ailed jobs</a:t>
             </a:r>
             <a:endParaRPr lang="en-US" b="1" dirty="0"/>
           </a:p>
